--- a/NET Core og Microservices.pptx
+++ b/NET Core og Microservices.pptx
@@ -5527,7 +5527,7 @@
             </a:r>
             <a:r>
               <a:rPr lang="da-DK" dirty="0" err="1"/>
-              <a:t>replikerering</a:t>
+              <a:t>replikering</a:t>
             </a:r>
             <a:r>
               <a:rPr lang="da-DK" dirty="0"/>
@@ -5561,13 +5561,10 @@
           </a:p>
           <a:p>
             <a:r>
-              <a:rPr lang="da-DK" dirty="0" err="1"/>
-              <a:t>Asynkronitet</a:t>
-            </a:r>
-            <a:r>
-              <a:rPr lang="da-DK" dirty="0"/>
-              <a:t> </a:t>
-            </a:r>
+              <a:rPr lang="da-DK"/>
+              <a:t>Asynkront</a:t>
+            </a:r>
+            <a:endParaRPr lang="da-DK" dirty="0"/>
           </a:p>
         </p:txBody>
       </p:sp>

--- a/NET Core og Microservices.pptx
+++ b/NET Core og Microservices.pptx
@@ -5293,6 +5293,14 @@
 <file path=ppt/slides/slide4.xml><?xml version="1.0" encoding="utf-8"?>
 <p:sld xmlns:a="http://schemas.openxmlformats.org/drawingml/2006/main" xmlns:r="http://schemas.openxmlformats.org/officeDocument/2006/relationships" xmlns:p="http://schemas.openxmlformats.org/presentationml/2006/main">
   <p:cSld>
+    <p:bg>
+      <p:bgPr>
+        <a:solidFill>
+          <a:schemeClr val="bg1"/>
+        </a:solidFill>
+        <a:effectLst/>
+      </p:bgPr>
+    </p:bg>
     <p:spTree>
       <p:nvGrpSpPr>
         <p:cNvPr id="1" name=""/>
@@ -5307,6 +5315,128 @@
           <a:chExt cx="0" cy="0"/>
         </a:xfrm>
       </p:grpSpPr>
+      <p:cxnSp>
+        <p:nvCxnSpPr>
+          <p:cNvPr id="25" name="Straight Connector 12">
+            <a:extLst>
+              <a:ext uri="{FF2B5EF4-FFF2-40B4-BE49-F238E27FC236}">
+                <a16:creationId xmlns:a16="http://schemas.microsoft.com/office/drawing/2014/main" id="{5C05CAAB-DBA2-4548-AD5F-01BB97FBB207}"/>
+              </a:ext>
+              <a:ext uri="{C183D7F6-B498-43B3-948B-1728B52AA6E4}">
+                <adec:decorative xmlns:adec="http://schemas.microsoft.com/office/drawing/2017/decorative" val="1"/>
+              </a:ext>
+            </a:extLst>
+          </p:cNvPr>
+          <p:cNvCxnSpPr>
+            <a:cxnSpLocks noGrp="1" noRot="1" noChangeAspect="1" noMove="1" noResize="1" noEditPoints="1" noAdjustHandles="1" noChangeArrowheads="1" noChangeShapeType="1"/>
+          </p:cNvCxnSpPr>
+          <p:nvPr>
+            <p:extLst>
+              <p:ext uri="{386F3935-93C4-4BCD-93E2-E3B085C9AB24}">
+                <p16:designElem xmlns:p16="http://schemas.microsoft.com/office/powerpoint/2015/main" val="1"/>
+              </p:ext>
+            </p:extLst>
+          </p:nvPr>
+        </p:nvCxnSpPr>
+        <p:spPr>
+          <a:xfrm>
+            <a:off x="715890" y="356812"/>
+            <a:ext cx="0" cy="6492875"/>
+          </a:xfrm>
+          <a:prstGeom prst="line">
+            <a:avLst/>
+          </a:prstGeom>
+          <a:ln w="25400" cap="sq">
+            <a:gradFill flip="none" rotWithShape="1">
+              <a:gsLst>
+                <a:gs pos="0">
+                  <a:schemeClr val="accent2"/>
+                </a:gs>
+                <a:gs pos="100000">
+                  <a:schemeClr val="accent4"/>
+                </a:gs>
+              </a:gsLst>
+              <a:lin ang="16200000" scaled="1"/>
+              <a:tileRect/>
+            </a:gradFill>
+            <a:bevel/>
+          </a:ln>
+        </p:spPr>
+        <p:style>
+          <a:lnRef idx="1">
+            <a:schemeClr val="accent1"/>
+          </a:lnRef>
+          <a:fillRef idx="0">
+            <a:schemeClr val="accent1"/>
+          </a:fillRef>
+          <a:effectRef idx="0">
+            <a:schemeClr val="accent1"/>
+          </a:effectRef>
+          <a:fontRef idx="minor">
+            <a:schemeClr val="tx1"/>
+          </a:fontRef>
+        </p:style>
+      </p:cxnSp>
+      <p:sp useBgFill="1">
+        <p:nvSpPr>
+          <p:cNvPr id="26" name="Rectangle 14">
+            <a:extLst>
+              <a:ext uri="{FF2B5EF4-FFF2-40B4-BE49-F238E27FC236}">
+                <a16:creationId xmlns:a16="http://schemas.microsoft.com/office/drawing/2014/main" id="{BB7169B8-2507-43F4-A148-FA791CD9C678}"/>
+              </a:ext>
+              <a:ext uri="{C183D7F6-B498-43B3-948B-1728B52AA6E4}">
+                <adec:decorative xmlns:adec="http://schemas.microsoft.com/office/drawing/2017/decorative" val="1"/>
+              </a:ext>
+            </a:extLst>
+          </p:cNvPr>
+          <p:cNvSpPr>
+            <a:spLocks noGrp="1" noRot="1" noChangeAspect="1" noMove="1" noResize="1" noEditPoints="1" noAdjustHandles="1" noChangeArrowheads="1" noChangeShapeType="1" noTextEdit="1"/>
+          </p:cNvSpPr>
+          <p:nvPr>
+            <p:extLst>
+              <p:ext uri="{386F3935-93C4-4BCD-93E2-E3B085C9AB24}">
+                <p16:designElem xmlns:p16="http://schemas.microsoft.com/office/powerpoint/2015/main" val="1"/>
+              </p:ext>
+            </p:extLst>
+          </p:nvPr>
+        </p:nvSpPr>
+        <p:spPr>
+          <a:xfrm>
+            <a:off x="0" y="0"/>
+            <a:ext cx="12192000" cy="6858000"/>
+          </a:xfrm>
+          <a:prstGeom prst="rect">
+            <a:avLst/>
+          </a:prstGeom>
+          <a:ln>
+            <a:noFill/>
+          </a:ln>
+        </p:spPr>
+        <p:style>
+          <a:lnRef idx="2">
+            <a:schemeClr val="accent1">
+              <a:shade val="50000"/>
+            </a:schemeClr>
+          </a:lnRef>
+          <a:fillRef idx="1">
+            <a:schemeClr val="accent1"/>
+          </a:fillRef>
+          <a:effectRef idx="0">
+            <a:schemeClr val="accent1"/>
+          </a:effectRef>
+          <a:fontRef idx="minor">
+            <a:schemeClr val="lt1"/>
+          </a:fontRef>
+        </p:style>
+        <p:txBody>
+          <a:bodyPr rtlCol="0" anchor="ctr"/>
+          <a:lstStyle/>
+          <a:p>
+            <a:pPr algn="ctr"/>
+            <a:endParaRPr lang="en-US"/>
+          </a:p>
+        </p:txBody>
+      </p:sp>
       <p:sp>
         <p:nvSpPr>
           <p:cNvPr id="2" name="Titel 1">
@@ -5323,89 +5453,425 @@
             <p:ph type="title"/>
           </p:nvPr>
         </p:nvSpPr>
-        <p:spPr/>
-        <p:txBody>
-          <a:bodyPr/>
+        <p:spPr>
+          <a:xfrm>
+            <a:off x="6607457" y="790820"/>
+            <a:ext cx="4960921" cy="2413971"/>
+          </a:xfrm>
+        </p:spPr>
+        <p:txBody>
+          <a:bodyPr vert="horz" lIns="91440" tIns="45720" rIns="91440" bIns="45720" rtlCol="0" anchor="b">
+            <a:normAutofit/>
+          </a:bodyPr>
           <a:lstStyle/>
           <a:p>
             <a:r>
-              <a:rPr lang="da-DK" dirty="0"/>
-              <a:t>Hvornår er noget en ’</a:t>
-            </a:r>
-            <a:r>
-              <a:rPr lang="da-DK" dirty="0" err="1"/>
-              <a:t>breaking-change</a:t>
-            </a:r>
-            <a:r>
-              <a:rPr lang="da-DK" dirty="0"/>
-              <a:t>’ for ens grænseflader?</a:t>
-            </a:r>
-          </a:p>
-        </p:txBody>
-      </p:sp>
-      <p:sp>
-        <p:nvSpPr>
-          <p:cNvPr id="3" name="Pladsholder til indhold 2">
-            <a:extLst>
-              <a:ext uri="{FF2B5EF4-FFF2-40B4-BE49-F238E27FC236}">
-                <a16:creationId xmlns:a16="http://schemas.microsoft.com/office/drawing/2014/main" id="{E16BE42A-6C88-4BEC-B722-02CFCB508F96}"/>
-              </a:ext>
-            </a:extLst>
-          </p:cNvPr>
-          <p:cNvSpPr>
-            <a:spLocks noGrp="1"/>
-          </p:cNvSpPr>
-          <p:nvPr>
-            <p:ph sz="half" idx="1"/>
-          </p:nvPr>
-        </p:nvSpPr>
-        <p:spPr/>
-        <p:txBody>
-          <a:bodyPr/>
+              <a:rPr lang="en-US" sz="4200" kern="1200">
+                <a:solidFill>
+                  <a:schemeClr val="tx1"/>
+                </a:solidFill>
+                <a:latin typeface="+mj-lt"/>
+                <a:ea typeface="+mj-ea"/>
+                <a:cs typeface="+mj-cs"/>
+              </a:rPr>
+              <a:t>Hvornår er noget en ’breaking-change’ for ens grænseflader?</a:t>
+            </a:r>
+          </a:p>
+        </p:txBody>
+      </p:sp>
+      <p:sp>
+        <p:nvSpPr>
+          <p:cNvPr id="27" name="Graphic 11">
+            <a:extLst>
+              <a:ext uri="{FF2B5EF4-FFF2-40B4-BE49-F238E27FC236}">
+                <a16:creationId xmlns:a16="http://schemas.microsoft.com/office/drawing/2014/main" id="{6CB927A4-E432-4310-9CD5-E89FF5063179}"/>
+              </a:ext>
+              <a:ext uri="{C183D7F6-B498-43B3-948B-1728B52AA6E4}">
+                <adec:decorative xmlns:adec="http://schemas.microsoft.com/office/drawing/2017/decorative" val="1"/>
+              </a:ext>
+            </a:extLst>
+          </p:cNvPr>
+          <p:cNvSpPr>
+            <a:spLocks noGrp="1" noRot="1" noChangeAspect="1" noMove="1" noResize="1" noEditPoints="1" noAdjustHandles="1" noChangeArrowheads="1" noChangeShapeType="1" noTextEdit="1"/>
+          </p:cNvSpPr>
+          <p:nvPr>
+            <p:extLst>
+              <p:ext uri="{386F3935-93C4-4BCD-93E2-E3B085C9AB24}">
+                <p16:designElem xmlns:p16="http://schemas.microsoft.com/office/powerpoint/2015/main" val="1"/>
+              </p:ext>
+            </p:extLst>
+          </p:nvPr>
+        </p:nvSpPr>
+        <p:spPr>
+          <a:xfrm>
+            <a:off x="5593135" y="406732"/>
+            <a:ext cx="139039" cy="139039"/>
+          </a:xfrm>
+          <a:custGeom>
+            <a:avLst/>
+            <a:gdLst>
+              <a:gd name="connsiteX0" fmla="*/ 129602 w 139039"/>
+              <a:gd name="connsiteY0" fmla="*/ 60082 h 139039"/>
+              <a:gd name="connsiteX1" fmla="*/ 78957 w 139039"/>
+              <a:gd name="connsiteY1" fmla="*/ 60082 h 139039"/>
+              <a:gd name="connsiteX2" fmla="*/ 78957 w 139039"/>
+              <a:gd name="connsiteY2" fmla="*/ 9437 h 139039"/>
+              <a:gd name="connsiteX3" fmla="*/ 69520 w 139039"/>
+              <a:gd name="connsiteY3" fmla="*/ 0 h 139039"/>
+              <a:gd name="connsiteX4" fmla="*/ 60082 w 139039"/>
+              <a:gd name="connsiteY4" fmla="*/ 9437 h 139039"/>
+              <a:gd name="connsiteX5" fmla="*/ 60082 w 139039"/>
+              <a:gd name="connsiteY5" fmla="*/ 60082 h 139039"/>
+              <a:gd name="connsiteX6" fmla="*/ 9437 w 139039"/>
+              <a:gd name="connsiteY6" fmla="*/ 60082 h 139039"/>
+              <a:gd name="connsiteX7" fmla="*/ 0 w 139039"/>
+              <a:gd name="connsiteY7" fmla="*/ 69520 h 139039"/>
+              <a:gd name="connsiteX8" fmla="*/ 9437 w 139039"/>
+              <a:gd name="connsiteY8" fmla="*/ 78957 h 139039"/>
+              <a:gd name="connsiteX9" fmla="*/ 60082 w 139039"/>
+              <a:gd name="connsiteY9" fmla="*/ 78957 h 139039"/>
+              <a:gd name="connsiteX10" fmla="*/ 60082 w 139039"/>
+              <a:gd name="connsiteY10" fmla="*/ 129602 h 139039"/>
+              <a:gd name="connsiteX11" fmla="*/ 69520 w 139039"/>
+              <a:gd name="connsiteY11" fmla="*/ 139039 h 139039"/>
+              <a:gd name="connsiteX12" fmla="*/ 78957 w 139039"/>
+              <a:gd name="connsiteY12" fmla="*/ 129602 h 139039"/>
+              <a:gd name="connsiteX13" fmla="*/ 78957 w 139039"/>
+              <a:gd name="connsiteY13" fmla="*/ 78957 h 139039"/>
+              <a:gd name="connsiteX14" fmla="*/ 129602 w 139039"/>
+              <a:gd name="connsiteY14" fmla="*/ 78957 h 139039"/>
+              <a:gd name="connsiteX15" fmla="*/ 139039 w 139039"/>
+              <a:gd name="connsiteY15" fmla="*/ 69520 h 139039"/>
+              <a:gd name="connsiteX16" fmla="*/ 129602 w 139039"/>
+              <a:gd name="connsiteY16" fmla="*/ 60082 h 139039"/>
+            </a:gdLst>
+            <a:ahLst/>
+            <a:cxnLst>
+              <a:cxn ang="0">
+                <a:pos x="connsiteX0" y="connsiteY0"/>
+              </a:cxn>
+              <a:cxn ang="0">
+                <a:pos x="connsiteX1" y="connsiteY1"/>
+              </a:cxn>
+              <a:cxn ang="0">
+                <a:pos x="connsiteX2" y="connsiteY2"/>
+              </a:cxn>
+              <a:cxn ang="0">
+                <a:pos x="connsiteX3" y="connsiteY3"/>
+              </a:cxn>
+              <a:cxn ang="0">
+                <a:pos x="connsiteX4" y="connsiteY4"/>
+              </a:cxn>
+              <a:cxn ang="0">
+                <a:pos x="connsiteX5" y="connsiteY5"/>
+              </a:cxn>
+              <a:cxn ang="0">
+                <a:pos x="connsiteX6" y="connsiteY6"/>
+              </a:cxn>
+              <a:cxn ang="0">
+                <a:pos x="connsiteX7" y="connsiteY7"/>
+              </a:cxn>
+              <a:cxn ang="0">
+                <a:pos x="connsiteX8" y="connsiteY8"/>
+              </a:cxn>
+              <a:cxn ang="0">
+                <a:pos x="connsiteX9" y="connsiteY9"/>
+              </a:cxn>
+              <a:cxn ang="0">
+                <a:pos x="connsiteX10" y="connsiteY10"/>
+              </a:cxn>
+              <a:cxn ang="0">
+                <a:pos x="connsiteX11" y="connsiteY11"/>
+              </a:cxn>
+              <a:cxn ang="0">
+                <a:pos x="connsiteX12" y="connsiteY12"/>
+              </a:cxn>
+              <a:cxn ang="0">
+                <a:pos x="connsiteX13" y="connsiteY13"/>
+              </a:cxn>
+              <a:cxn ang="0">
+                <a:pos x="connsiteX14" y="connsiteY14"/>
+              </a:cxn>
+              <a:cxn ang="0">
+                <a:pos x="connsiteX15" y="connsiteY15"/>
+              </a:cxn>
+              <a:cxn ang="0">
+                <a:pos x="connsiteX16" y="connsiteY16"/>
+              </a:cxn>
+            </a:cxnLst>
+            <a:rect l="l" t="t" r="r" b="b"/>
+            <a:pathLst>
+              <a:path w="139039" h="139039">
+                <a:moveTo>
+                  <a:pt x="129602" y="60082"/>
+                </a:moveTo>
+                <a:lnTo>
+                  <a:pt x="78957" y="60082"/>
+                </a:lnTo>
+                <a:lnTo>
+                  <a:pt x="78957" y="9437"/>
+                </a:lnTo>
+                <a:cubicBezTo>
+                  <a:pt x="78957" y="4225"/>
+                  <a:pt x="74731" y="0"/>
+                  <a:pt x="69520" y="0"/>
+                </a:cubicBezTo>
+                <a:cubicBezTo>
+                  <a:pt x="64308" y="0"/>
+                  <a:pt x="60082" y="4225"/>
+                  <a:pt x="60082" y="9437"/>
+                </a:cubicBezTo>
+                <a:lnTo>
+                  <a:pt x="60082" y="60082"/>
+                </a:lnTo>
+                <a:lnTo>
+                  <a:pt x="9437" y="60082"/>
+                </a:lnTo>
+                <a:cubicBezTo>
+                  <a:pt x="4225" y="60082"/>
+                  <a:pt x="0" y="64308"/>
+                  <a:pt x="0" y="69520"/>
+                </a:cubicBezTo>
+                <a:cubicBezTo>
+                  <a:pt x="0" y="74731"/>
+                  <a:pt x="4225" y="78957"/>
+                  <a:pt x="9437" y="78957"/>
+                </a:cubicBezTo>
+                <a:lnTo>
+                  <a:pt x="60082" y="78957"/>
+                </a:lnTo>
+                <a:lnTo>
+                  <a:pt x="60082" y="129602"/>
+                </a:lnTo>
+                <a:cubicBezTo>
+                  <a:pt x="60082" y="134814"/>
+                  <a:pt x="64308" y="139039"/>
+                  <a:pt x="69520" y="139039"/>
+                </a:cubicBezTo>
+                <a:cubicBezTo>
+                  <a:pt x="74731" y="139039"/>
+                  <a:pt x="78957" y="134814"/>
+                  <a:pt x="78957" y="129602"/>
+                </a:cubicBezTo>
+                <a:lnTo>
+                  <a:pt x="78957" y="78957"/>
+                </a:lnTo>
+                <a:lnTo>
+                  <a:pt x="129602" y="78957"/>
+                </a:lnTo>
+                <a:cubicBezTo>
+                  <a:pt x="134814" y="78957"/>
+                  <a:pt x="139039" y="74731"/>
+                  <a:pt x="139039" y="69520"/>
+                </a:cubicBezTo>
+                <a:cubicBezTo>
+                  <a:pt x="139039" y="64308"/>
+                  <a:pt x="134814" y="60082"/>
+                  <a:pt x="129602" y="60082"/>
+                </a:cubicBezTo>
+                <a:close/>
+              </a:path>
+            </a:pathLst>
+          </a:custGeom>
+          <a:solidFill>
+            <a:schemeClr val="accent4"/>
+          </a:solidFill>
+          <a:ln w="603" cap="flat">
+            <a:noFill/>
+            <a:prstDash val="solid"/>
+            <a:miter/>
+          </a:ln>
+        </p:spPr>
+        <p:txBody>
+          <a:bodyPr rtlCol="0" anchor="ctr"/>
           <a:lstStyle/>
           <a:p>
-            <a:r>
-              <a:rPr lang="da-DK" dirty="0"/>
-              <a:t>Autonome services!</a:t>
-            </a:r>
-          </a:p>
-          <a:p>
-            <a:r>
-              <a:rPr lang="da-DK" dirty="0"/>
-              <a:t>Ikke det forventelige svar.</a:t>
-            </a:r>
-          </a:p>
-          <a:p>
-            <a:r>
-              <a:rPr lang="da-DK" dirty="0"/>
-              <a:t>Bryder dine Consumer Driven </a:t>
-            </a:r>
-            <a:r>
-              <a:rPr lang="da-DK" dirty="0" err="1"/>
-              <a:t>Contracts</a:t>
-            </a:r>
-            <a:endParaRPr lang="da-DK" dirty="0"/>
-          </a:p>
-          <a:p>
-            <a:endParaRPr lang="da-DK" dirty="0"/>
-          </a:p>
-        </p:txBody>
-      </p:sp>
+            <a:endParaRPr lang="en-US"/>
+          </a:p>
+        </p:txBody>
+      </p:sp>
+      <p:sp>
+        <p:nvSpPr>
+          <p:cNvPr id="28" name="Graphic 10">
+            <a:extLst>
+              <a:ext uri="{FF2B5EF4-FFF2-40B4-BE49-F238E27FC236}">
+                <a16:creationId xmlns:a16="http://schemas.microsoft.com/office/drawing/2014/main" id="{E3020543-B24B-4EC4-8FFC-8DD88EEA91A8}"/>
+              </a:ext>
+              <a:ext uri="{C183D7F6-B498-43B3-948B-1728B52AA6E4}">
+                <adec:decorative xmlns:adec="http://schemas.microsoft.com/office/drawing/2017/decorative" val="1"/>
+              </a:ext>
+            </a:extLst>
+          </p:cNvPr>
+          <p:cNvSpPr>
+            <a:spLocks noGrp="1" noRot="1" noChangeAspect="1" noMove="1" noResize="1" noEditPoints="1" noAdjustHandles="1" noChangeArrowheads="1" noChangeShapeType="1" noTextEdit="1"/>
+          </p:cNvSpPr>
+          <p:nvPr>
+            <p:extLst>
+              <p:ext uri="{386F3935-93C4-4BCD-93E2-E3B085C9AB24}">
+                <p16:designElem xmlns:p16="http://schemas.microsoft.com/office/powerpoint/2015/main" val="1"/>
+              </p:ext>
+            </p:extLst>
+          </p:nvPr>
+        </p:nvSpPr>
+        <p:spPr>
+          <a:xfrm>
+            <a:off x="5994248" y="540347"/>
+            <a:ext cx="91138" cy="91138"/>
+          </a:xfrm>
+          <a:custGeom>
+            <a:avLst/>
+            <a:gdLst>
+              <a:gd name="connsiteX0" fmla="*/ 91138 w 91138"/>
+              <a:gd name="connsiteY0" fmla="*/ 45569 h 91138"/>
+              <a:gd name="connsiteX1" fmla="*/ 45569 w 91138"/>
+              <a:gd name="connsiteY1" fmla="*/ 91138 h 91138"/>
+              <a:gd name="connsiteX2" fmla="*/ 0 w 91138"/>
+              <a:gd name="connsiteY2" fmla="*/ 45569 h 91138"/>
+              <a:gd name="connsiteX3" fmla="*/ 45569 w 91138"/>
+              <a:gd name="connsiteY3" fmla="*/ 0 h 91138"/>
+              <a:gd name="connsiteX4" fmla="*/ 91138 w 91138"/>
+              <a:gd name="connsiteY4" fmla="*/ 45569 h 91138"/>
+            </a:gdLst>
+            <a:ahLst/>
+            <a:cxnLst>
+              <a:cxn ang="0">
+                <a:pos x="connsiteX0" y="connsiteY0"/>
+              </a:cxn>
+              <a:cxn ang="0">
+                <a:pos x="connsiteX1" y="connsiteY1"/>
+              </a:cxn>
+              <a:cxn ang="0">
+                <a:pos x="connsiteX2" y="connsiteY2"/>
+              </a:cxn>
+              <a:cxn ang="0">
+                <a:pos x="connsiteX3" y="connsiteY3"/>
+              </a:cxn>
+              <a:cxn ang="0">
+                <a:pos x="connsiteX4" y="connsiteY4"/>
+              </a:cxn>
+            </a:cxnLst>
+            <a:rect l="l" t="t" r="r" b="b"/>
+            <a:pathLst>
+              <a:path w="91138" h="91138">
+                <a:moveTo>
+                  <a:pt x="91138" y="45569"/>
+                </a:moveTo>
+                <a:cubicBezTo>
+                  <a:pt x="91138" y="70736"/>
+                  <a:pt x="70736" y="91138"/>
+                  <a:pt x="45569" y="91138"/>
+                </a:cubicBezTo>
+                <a:cubicBezTo>
+                  <a:pt x="20402" y="91138"/>
+                  <a:pt x="0" y="70736"/>
+                  <a:pt x="0" y="45569"/>
+                </a:cubicBezTo>
+                <a:cubicBezTo>
+                  <a:pt x="0" y="20402"/>
+                  <a:pt x="20402" y="0"/>
+                  <a:pt x="45569" y="0"/>
+                </a:cubicBezTo>
+                <a:cubicBezTo>
+                  <a:pt x="70736" y="0"/>
+                  <a:pt x="91138" y="20402"/>
+                  <a:pt x="91138" y="45569"/>
+                </a:cubicBezTo>
+                <a:close/>
+              </a:path>
+            </a:pathLst>
+          </a:custGeom>
+          <a:solidFill>
+            <a:schemeClr val="accent4"/>
+          </a:solidFill>
+          <a:ln w="422" cap="flat">
+            <a:noFill/>
+            <a:prstDash val="solid"/>
+            <a:miter/>
+          </a:ln>
+        </p:spPr>
+        <p:txBody>
+          <a:bodyPr rtlCol="0" anchor="ctr"/>
+          <a:lstStyle/>
+          <a:p>
+            <a:endParaRPr lang="en-US"/>
+          </a:p>
+        </p:txBody>
+      </p:sp>
+      <p:cxnSp>
+        <p:nvCxnSpPr>
+          <p:cNvPr id="29" name="Straight Connector 20">
+            <a:extLst>
+              <a:ext uri="{FF2B5EF4-FFF2-40B4-BE49-F238E27FC236}">
+                <a16:creationId xmlns:a16="http://schemas.microsoft.com/office/drawing/2014/main" id="{C49DA8F6-BCC1-4447-B54C-57856834B94B}"/>
+              </a:ext>
+              <a:ext uri="{C183D7F6-B498-43B3-948B-1728B52AA6E4}">
+                <adec:decorative xmlns:adec="http://schemas.microsoft.com/office/drawing/2017/decorative" val="1"/>
+              </a:ext>
+            </a:extLst>
+          </p:cNvPr>
+          <p:cNvCxnSpPr>
+            <a:cxnSpLocks noGrp="1" noRot="1" noChangeAspect="1" noMove="1" noResize="1" noEditPoints="1" noAdjustHandles="1" noChangeArrowheads="1" noChangeShapeType="1"/>
+          </p:cNvCxnSpPr>
+          <p:nvPr>
+            <p:extLst>
+              <p:ext uri="{386F3935-93C4-4BCD-93E2-E3B085C9AB24}">
+                <p16:designElem xmlns:p16="http://schemas.microsoft.com/office/powerpoint/2015/main" val="1"/>
+              </p:ext>
+            </p:extLst>
+          </p:nvPr>
+        </p:nvCxnSpPr>
+        <p:spPr>
+          <a:xfrm>
+            <a:off x="623622" y="906628"/>
+            <a:ext cx="0" cy="5942494"/>
+          </a:xfrm>
+          <a:prstGeom prst="line">
+            <a:avLst/>
+          </a:prstGeom>
+          <a:ln w="25400" cap="sq">
+            <a:gradFill flip="none" rotWithShape="1">
+              <a:gsLst>
+                <a:gs pos="0">
+                  <a:schemeClr val="accent2"/>
+                </a:gs>
+                <a:gs pos="100000">
+                  <a:schemeClr val="accent4"/>
+                </a:gs>
+              </a:gsLst>
+              <a:lin ang="16200000" scaled="1"/>
+              <a:tileRect/>
+            </a:gradFill>
+            <a:bevel/>
+          </a:ln>
+        </p:spPr>
+        <p:style>
+          <a:lnRef idx="1">
+            <a:schemeClr val="accent1"/>
+          </a:lnRef>
+          <a:fillRef idx="0">
+            <a:schemeClr val="accent1"/>
+          </a:fillRef>
+          <a:effectRef idx="0">
+            <a:schemeClr val="accent1"/>
+          </a:effectRef>
+          <a:fontRef idx="minor">
+            <a:schemeClr val="tx1"/>
+          </a:fontRef>
+        </p:style>
+      </p:cxnSp>
       <p:pic>
         <p:nvPicPr>
-          <p:cNvPr id="6" name="Pladsholder til indhold 5">
-            <a:extLst>
-              <a:ext uri="{FF2B5EF4-FFF2-40B4-BE49-F238E27FC236}">
-                <a16:creationId xmlns:a16="http://schemas.microsoft.com/office/drawing/2014/main" id="{4A54C2A8-31C9-4840-B9C1-1EB1E9EAC14C}"/>
+          <p:cNvPr id="8" name="Billede 7">
+            <a:extLst>
+              <a:ext uri="{FF2B5EF4-FFF2-40B4-BE49-F238E27FC236}">
+                <a16:creationId xmlns:a16="http://schemas.microsoft.com/office/drawing/2014/main" id="{6F68C6E8-D27E-4E96-9565-BADB06D9E7AA}"/>
               </a:ext>
             </a:extLst>
           </p:cNvPr>
           <p:cNvPicPr>
-            <a:picLocks noGrp="1" noChangeAspect="1"/>
+            <a:picLocks noChangeAspect="1"/>
           </p:cNvPicPr>
-          <p:nvPr>
-            <p:ph sz="half" idx="2"/>
-          </p:nvPr>
+          <p:nvPr/>
         </p:nvPicPr>
         <p:blipFill>
           <a:blip r:embed="rId2">
@@ -5421,11 +5887,282 @@
         </p:blipFill>
         <p:spPr>
           <a:xfrm>
-            <a:off x="6172200" y="3446507"/>
-            <a:ext cx="5181600" cy="1109573"/>
+            <a:off x="821267" y="1012765"/>
+            <a:ext cx="4616641" cy="2176164"/>
+          </a:xfrm>
+          <a:prstGeom prst="rect">
+            <a:avLst/>
+          </a:prstGeom>
+        </p:spPr>
+      </p:pic>
+      <p:sp>
+        <p:nvSpPr>
+          <p:cNvPr id="30" name="Graphic 12">
+            <a:extLst>
+              <a:ext uri="{FF2B5EF4-FFF2-40B4-BE49-F238E27FC236}">
+                <a16:creationId xmlns:a16="http://schemas.microsoft.com/office/drawing/2014/main" id="{1453BF6C-B012-48B7-B4E8-6D7AC7C27D02}"/>
+              </a:ext>
+              <a:ext uri="{C183D7F6-B498-43B3-948B-1728B52AA6E4}">
+                <adec:decorative xmlns:adec="http://schemas.microsoft.com/office/drawing/2017/decorative" val="1"/>
+              </a:ext>
+            </a:extLst>
+          </p:cNvPr>
+          <p:cNvSpPr>
+            <a:spLocks noGrp="1" noRot="1" noChangeAspect="1" noMove="1" noResize="1" noEditPoints="1" noAdjustHandles="1" noChangeArrowheads="1" noChangeShapeType="1" noTextEdit="1"/>
+          </p:cNvSpPr>
+          <p:nvPr>
+            <p:extLst>
+              <p:ext uri="{386F3935-93C4-4BCD-93E2-E3B085C9AB24}">
+                <p16:designElem xmlns:p16="http://schemas.microsoft.com/office/powerpoint/2015/main" val="1"/>
+              </p:ext>
+            </p:extLst>
+          </p:nvPr>
+        </p:nvSpPr>
+        <p:spPr>
+          <a:xfrm>
+            <a:off x="5773385" y="1130559"/>
+            <a:ext cx="127714" cy="127714"/>
+          </a:xfrm>
+          <a:custGeom>
+            <a:avLst/>
+            <a:gdLst>
+              <a:gd name="connsiteX0" fmla="*/ 63857 w 127714"/>
+              <a:gd name="connsiteY0" fmla="*/ 18874 h 127714"/>
+              <a:gd name="connsiteX1" fmla="*/ 108840 w 127714"/>
+              <a:gd name="connsiteY1" fmla="*/ 63857 h 127714"/>
+              <a:gd name="connsiteX2" fmla="*/ 63857 w 127714"/>
+              <a:gd name="connsiteY2" fmla="*/ 108840 h 127714"/>
+              <a:gd name="connsiteX3" fmla="*/ 18874 w 127714"/>
+              <a:gd name="connsiteY3" fmla="*/ 63857 h 127714"/>
+              <a:gd name="connsiteX4" fmla="*/ 63857 w 127714"/>
+              <a:gd name="connsiteY4" fmla="*/ 18874 h 127714"/>
+              <a:gd name="connsiteX5" fmla="*/ 63857 w 127714"/>
+              <a:gd name="connsiteY5" fmla="*/ 0 h 127714"/>
+              <a:gd name="connsiteX6" fmla="*/ 0 w 127714"/>
+              <a:gd name="connsiteY6" fmla="*/ 63857 h 127714"/>
+              <a:gd name="connsiteX7" fmla="*/ 63857 w 127714"/>
+              <a:gd name="connsiteY7" fmla="*/ 127714 h 127714"/>
+              <a:gd name="connsiteX8" fmla="*/ 127714 w 127714"/>
+              <a:gd name="connsiteY8" fmla="*/ 63857 h 127714"/>
+              <a:gd name="connsiteX9" fmla="*/ 63857 w 127714"/>
+              <a:gd name="connsiteY9" fmla="*/ 0 h 127714"/>
+            </a:gdLst>
+            <a:ahLst/>
+            <a:cxnLst>
+              <a:cxn ang="0">
+                <a:pos x="connsiteX0" y="connsiteY0"/>
+              </a:cxn>
+              <a:cxn ang="0">
+                <a:pos x="connsiteX1" y="connsiteY1"/>
+              </a:cxn>
+              <a:cxn ang="0">
+                <a:pos x="connsiteX2" y="connsiteY2"/>
+              </a:cxn>
+              <a:cxn ang="0">
+                <a:pos x="connsiteX3" y="connsiteY3"/>
+              </a:cxn>
+              <a:cxn ang="0">
+                <a:pos x="connsiteX4" y="connsiteY4"/>
+              </a:cxn>
+              <a:cxn ang="0">
+                <a:pos x="connsiteX5" y="connsiteY5"/>
+              </a:cxn>
+              <a:cxn ang="0">
+                <a:pos x="connsiteX6" y="connsiteY6"/>
+              </a:cxn>
+              <a:cxn ang="0">
+                <a:pos x="connsiteX7" y="connsiteY7"/>
+              </a:cxn>
+              <a:cxn ang="0">
+                <a:pos x="connsiteX8" y="connsiteY8"/>
+              </a:cxn>
+              <a:cxn ang="0">
+                <a:pos x="connsiteX9" y="connsiteY9"/>
+              </a:cxn>
+            </a:cxnLst>
+            <a:rect l="l" t="t" r="r" b="b"/>
+            <a:pathLst>
+              <a:path w="127714" h="127714">
+                <a:moveTo>
+                  <a:pt x="63857" y="18874"/>
+                </a:moveTo>
+                <a:cubicBezTo>
+                  <a:pt x="88700" y="18874"/>
+                  <a:pt x="108840" y="39014"/>
+                  <a:pt x="108840" y="63857"/>
+                </a:cubicBezTo>
+                <a:cubicBezTo>
+                  <a:pt x="108840" y="88700"/>
+                  <a:pt x="88700" y="108840"/>
+                  <a:pt x="63857" y="108840"/>
+                </a:cubicBezTo>
+                <a:cubicBezTo>
+                  <a:pt x="39014" y="108840"/>
+                  <a:pt x="18874" y="88700"/>
+                  <a:pt x="18874" y="63857"/>
+                </a:cubicBezTo>
+                <a:cubicBezTo>
+                  <a:pt x="18898" y="39024"/>
+                  <a:pt x="39024" y="18898"/>
+                  <a:pt x="63857" y="18874"/>
+                </a:cubicBezTo>
+                <a:moveTo>
+                  <a:pt x="63857" y="0"/>
+                </a:moveTo>
+                <a:cubicBezTo>
+                  <a:pt x="28590" y="0"/>
+                  <a:pt x="0" y="28590"/>
+                  <a:pt x="0" y="63857"/>
+                </a:cubicBezTo>
+                <a:cubicBezTo>
+                  <a:pt x="0" y="99124"/>
+                  <a:pt x="28590" y="127714"/>
+                  <a:pt x="63857" y="127714"/>
+                </a:cubicBezTo>
+                <a:cubicBezTo>
+                  <a:pt x="99124" y="127714"/>
+                  <a:pt x="127714" y="99124"/>
+                  <a:pt x="127714" y="63857"/>
+                </a:cubicBezTo>
+                <a:cubicBezTo>
+                  <a:pt x="127714" y="28590"/>
+                  <a:pt x="99124" y="0"/>
+                  <a:pt x="63857" y="0"/>
+                </a:cubicBezTo>
+                <a:close/>
+              </a:path>
+            </a:pathLst>
+          </a:custGeom>
+          <a:solidFill>
+            <a:schemeClr val="accent4"/>
+          </a:solidFill>
+          <a:ln w="610" cap="flat">
+            <a:noFill/>
+            <a:prstDash val="solid"/>
+            <a:miter/>
+          </a:ln>
+        </p:spPr>
+        <p:txBody>
+          <a:bodyPr rtlCol="0" anchor="ctr"/>
+          <a:lstStyle/>
+          <a:p>
+            <a:endParaRPr lang="en-US"/>
+          </a:p>
+        </p:txBody>
+      </p:sp>
+      <p:pic>
+        <p:nvPicPr>
+          <p:cNvPr id="6" name="Pladsholder til indhold 5">
+            <a:extLst>
+              <a:ext uri="{FF2B5EF4-FFF2-40B4-BE49-F238E27FC236}">
+                <a16:creationId xmlns:a16="http://schemas.microsoft.com/office/drawing/2014/main" id="{4A54C2A8-31C9-4840-B9C1-1EB1E9EAC14C}"/>
+              </a:ext>
+            </a:extLst>
+          </p:cNvPr>
+          <p:cNvPicPr>
+            <a:picLocks noGrp="1" noChangeAspect="1"/>
+          </p:cNvPicPr>
+          <p:nvPr>
+            <p:ph sz="half" idx="2"/>
+          </p:nvPr>
+        </p:nvPicPr>
+        <p:blipFill>
+          <a:blip r:embed="rId3">
+            <a:extLst>
+              <a:ext uri="{28A0092B-C50C-407E-A947-70E740481C1C}">
+                <a14:useLocalDpi xmlns:a14="http://schemas.microsoft.com/office/drawing/2010/main" val="0"/>
+              </a:ext>
+            </a:extLst>
+          </a:blip>
+          <a:stretch>
+            <a:fillRect/>
+          </a:stretch>
+        </p:blipFill>
+        <p:spPr>
+          <a:xfrm>
+            <a:off x="838199" y="4351821"/>
+            <a:ext cx="4616635" cy="992576"/>
+          </a:xfrm>
+          <a:prstGeom prst="rect">
+            <a:avLst/>
+          </a:prstGeom>
+        </p:spPr>
+      </p:pic>
+      <p:sp>
+        <p:nvSpPr>
+          <p:cNvPr id="3" name="Pladsholder til indhold 2">
+            <a:extLst>
+              <a:ext uri="{FF2B5EF4-FFF2-40B4-BE49-F238E27FC236}">
+                <a16:creationId xmlns:a16="http://schemas.microsoft.com/office/drawing/2014/main" id="{E16BE42A-6C88-4BEC-B722-02CFCB508F96}"/>
+              </a:ext>
+            </a:extLst>
+          </p:cNvPr>
+          <p:cNvSpPr>
+            <a:spLocks noGrp="1"/>
+          </p:cNvSpPr>
+          <p:nvPr>
+            <p:ph sz="half" idx="1"/>
+          </p:nvPr>
+        </p:nvSpPr>
+        <p:spPr>
+          <a:xfrm>
+            <a:off x="6607457" y="3600367"/>
+            <a:ext cx="4960918" cy="2278715"/>
           </a:xfrm>
         </p:spPr>
-      </p:pic>
+        <p:txBody>
+          <a:bodyPr vert="horz" lIns="91440" tIns="45720" rIns="91440" bIns="45720" rtlCol="0" anchor="t">
+            <a:normAutofit/>
+          </a:bodyPr>
+          <a:lstStyle/>
+          <a:p>
+            <a:r>
+              <a:rPr lang="en-US" sz="1800" dirty="0" err="1"/>
+              <a:t>Autonome</a:t>
+            </a:r>
+            <a:r>
+              <a:rPr lang="en-US" sz="1800" dirty="0"/>
+              <a:t> services!</a:t>
+            </a:r>
+          </a:p>
+          <a:p>
+            <a:r>
+              <a:rPr lang="en-US" sz="1800" dirty="0" err="1"/>
+              <a:t>Ændringer</a:t>
+            </a:r>
+            <a:r>
+              <a:rPr lang="en-US" sz="1800" dirty="0"/>
+              <a:t> </a:t>
+            </a:r>
+            <a:r>
+              <a:rPr lang="en-US" sz="1800" dirty="0" err="1"/>
+              <a:t>bryder</a:t>
+            </a:r>
+            <a:r>
+              <a:rPr lang="en-US" sz="1800" dirty="0"/>
+              <a:t> dine Consumer Driven Contracts</a:t>
+            </a:r>
+          </a:p>
+          <a:p>
+            <a:r>
+              <a:rPr lang="en-US" sz="1800" dirty="0" err="1"/>
+              <a:t>Semantisk</a:t>
+            </a:r>
+            <a:r>
+              <a:rPr lang="en-US" sz="1800" dirty="0"/>
+              <a:t> </a:t>
+            </a:r>
+            <a:r>
+              <a:rPr lang="en-US" sz="1800" dirty="0" err="1"/>
+              <a:t>versionering</a:t>
+            </a:r>
+            <a:endParaRPr lang="en-US" sz="1800" dirty="0"/>
+          </a:p>
+          <a:p>
+            <a:endParaRPr lang="en-US" sz="1800" dirty="0"/>
+          </a:p>
+        </p:txBody>
+      </p:sp>
     </p:spTree>
     <p:extLst>
       <p:ext uri="{BB962C8B-B14F-4D97-AF65-F5344CB8AC3E}">
@@ -5561,10 +6298,9 @@
           </a:p>
           <a:p>
             <a:r>
-              <a:rPr lang="da-DK"/>
+              <a:rPr lang="da-DK" dirty="0"/>
               <a:t>Asynkront</a:t>
             </a:r>
-            <a:endParaRPr lang="da-DK" dirty="0"/>
           </a:p>
         </p:txBody>
       </p:sp>
@@ -5643,7 +6379,7 @@
       </p:grpSpPr>
       <p:cxnSp>
         <p:nvCxnSpPr>
-          <p:cNvPr id="33" name="Straight Connector 32">
+          <p:cNvPr id="46" name="Straight Connector 45">
             <a:extLst>
               <a:ext uri="{FF2B5EF4-FFF2-40B4-BE49-F238E27FC236}">
                 <a16:creationId xmlns:a16="http://schemas.microsoft.com/office/drawing/2014/main" id="{D1B787A8-0D67-4B7E-9B48-86BD906AB6B5}"/>
@@ -5705,10 +6441,10 @@
       </p:cxnSp>
       <p:sp>
         <p:nvSpPr>
-          <p:cNvPr id="35" name="Rectangle 34">
-            <a:extLst>
-              <a:ext uri="{FF2B5EF4-FFF2-40B4-BE49-F238E27FC236}">
-                <a16:creationId xmlns:a16="http://schemas.microsoft.com/office/drawing/2014/main" id="{158B3569-73B2-4D05-8E95-886A6EE17F1F}"/>
+          <p:cNvPr id="48" name="Rectangle 47">
+            <a:extLst>
+              <a:ext uri="{FF2B5EF4-FFF2-40B4-BE49-F238E27FC236}">
+                <a16:creationId xmlns:a16="http://schemas.microsoft.com/office/drawing/2014/main" id="{CE3C5560-7A9C-489F-9148-18C5E1D0F0B2}"/>
               </a:ext>
               <a:ext uri="{C183D7F6-B498-43B3-948B-1728B52AA6E4}">
                 <adec:decorative xmlns:adec="http://schemas.microsoft.com/office/drawing/2017/decorative" val="1"/>
@@ -5793,19 +6529,18 @@
         </p:nvSpPr>
         <p:spPr>
           <a:xfrm>
-            <a:off x="457200" y="1598246"/>
-            <a:ext cx="4412419" cy="3626217"/>
+            <a:off x="1578043" y="590062"/>
+            <a:ext cx="5309140" cy="2838938"/>
           </a:xfrm>
         </p:spPr>
         <p:txBody>
-          <a:bodyPr vert="horz" lIns="91440" tIns="45720" rIns="91440" bIns="45720" rtlCol="0" anchor="t">
+          <a:bodyPr vert="horz" lIns="91440" tIns="45720" rIns="91440" bIns="45720" rtlCol="0" anchor="b">
             <a:normAutofit/>
           </a:bodyPr>
           <a:lstStyle/>
           <a:p>
-            <a:pPr algn="r"/>
-            <a:r>
-              <a:rPr lang="en-US" sz="4400" b="1" i="0" kern="1200" cap="all" baseline="0">
+            <a:r>
+              <a:rPr lang="en-US" sz="5400" b="1" i="0" kern="1200" cap="all" baseline="0">
                 <a:solidFill>
                   <a:schemeClr val="bg1"/>
                 </a:solidFill>
@@ -5836,8 +6571,8 @@
         </p:nvSpPr>
         <p:spPr>
           <a:xfrm>
-            <a:off x="457200" y="5350213"/>
-            <a:ext cx="4412417" cy="1031537"/>
+            <a:off x="1578044" y="3739764"/>
+            <a:ext cx="4517954" cy="1198120"/>
           </a:xfrm>
         </p:spPr>
         <p:txBody>
@@ -5846,8 +6581,103 @@
           </a:bodyPr>
           <a:lstStyle/>
           <a:p>
-            <a:pPr algn="r"/>
-            <a:endParaRPr lang="en-US" sz="3200" kern="1200">
+            <a:r>
+              <a:rPr lang="en-US" sz="2000" dirty="0">
+                <a:solidFill>
+                  <a:schemeClr val="bg1"/>
+                </a:solidFill>
+              </a:rPr>
+              <a:t>Design </a:t>
+            </a:r>
+            <a:r>
+              <a:rPr lang="en-US" sz="2000" dirty="0" err="1">
+                <a:solidFill>
+                  <a:schemeClr val="bg1"/>
+                </a:solidFill>
+              </a:rPr>
+              <a:t>af</a:t>
+            </a:r>
+            <a:r>
+              <a:rPr lang="en-US" sz="2000" dirty="0">
+                <a:solidFill>
+                  <a:schemeClr val="bg1"/>
+                </a:solidFill>
+              </a:rPr>
+              <a:t> SAGA </a:t>
+            </a:r>
+            <a:r>
+              <a:rPr lang="en-US" sz="2000" dirty="0" err="1">
+                <a:solidFill>
+                  <a:schemeClr val="bg1"/>
+                </a:solidFill>
+              </a:rPr>
+              <a:t>i</a:t>
+            </a:r>
+            <a:r>
+              <a:rPr lang="en-US" sz="2000" dirty="0">
+                <a:solidFill>
+                  <a:schemeClr val="bg1"/>
+                </a:solidFill>
+              </a:rPr>
+              <a:t> </a:t>
+            </a:r>
+            <a:r>
+              <a:rPr lang="en-US" sz="2000" dirty="0" err="1">
+                <a:solidFill>
+                  <a:schemeClr val="bg1"/>
+                </a:solidFill>
+              </a:rPr>
+              <a:t>MassTransit</a:t>
+            </a:r>
+            <a:endParaRPr lang="en-US" sz="2000" dirty="0">
+              <a:solidFill>
+                <a:schemeClr val="bg1"/>
+              </a:solidFill>
+            </a:endParaRPr>
+          </a:p>
+          <a:p>
+            <a:r>
+              <a:rPr lang="en-US" sz="2000" kern="1200" dirty="0">
+                <a:solidFill>
+                  <a:schemeClr val="bg1"/>
+                </a:solidFill>
+                <a:latin typeface="+mn-lt"/>
+                <a:ea typeface="+mn-ea"/>
+                <a:cs typeface="+mn-cs"/>
+              </a:rPr>
+              <a:t>Design </a:t>
+            </a:r>
+            <a:r>
+              <a:rPr lang="en-US" sz="2000" kern="1200" dirty="0" err="1">
+                <a:solidFill>
+                  <a:schemeClr val="bg1"/>
+                </a:solidFill>
+                <a:latin typeface="+mn-lt"/>
+                <a:ea typeface="+mn-ea"/>
+                <a:cs typeface="+mn-cs"/>
+              </a:rPr>
+              <a:t>af</a:t>
+            </a:r>
+            <a:r>
+              <a:rPr lang="en-US" sz="2000" kern="1200" dirty="0">
+                <a:solidFill>
+                  <a:schemeClr val="bg1"/>
+                </a:solidFill>
+                <a:latin typeface="+mn-lt"/>
+                <a:ea typeface="+mn-ea"/>
+                <a:cs typeface="+mn-cs"/>
+              </a:rPr>
+              <a:t> Consumer Driven Contract </a:t>
+            </a:r>
+            <a:r>
+              <a:rPr lang="en-US" sz="2000" dirty="0">
+                <a:solidFill>
+                  <a:schemeClr val="bg1"/>
+                </a:solidFill>
+              </a:rPr>
+              <a:t>med PACT</a:t>
+            </a:r>
+            <a:endParaRPr lang="en-US" sz="2000" kern="1200" dirty="0">
               <a:solidFill>
                 <a:schemeClr val="bg1"/>
               </a:solidFill>
@@ -5860,10 +6690,10 @@
       </p:sp>
       <p:sp>
         <p:nvSpPr>
-          <p:cNvPr id="37" name="Graphic 17">
-            <a:extLst>
-              <a:ext uri="{FF2B5EF4-FFF2-40B4-BE49-F238E27FC236}">
-                <a16:creationId xmlns:a16="http://schemas.microsoft.com/office/drawing/2014/main" id="{B71758F4-3F46-45DA-8AC5-4E508DA080BA}"/>
+          <p:cNvPr id="50" name="Graphic 22">
+            <a:extLst>
+              <a:ext uri="{FF2B5EF4-FFF2-40B4-BE49-F238E27FC236}">
+                <a16:creationId xmlns:a16="http://schemas.microsoft.com/office/drawing/2014/main" id="{508BEF50-7B1E-49A4-BC19-5F4F1D755E64}"/>
               </a:ext>
               <a:ext uri="{C183D7F6-B498-43B3-948B-1728B52AA6E4}">
                 <adec:decorative xmlns:adec="http://schemas.microsoft.com/office/drawing/2017/decorative" val="1"/>
@@ -5883,46 +6713,46 @@
         </p:nvSpPr>
         <p:spPr>
           <a:xfrm>
-            <a:off x="11512034" y="1267063"/>
-            <a:ext cx="139037" cy="139039"/>
+            <a:off x="11220768" y="2053732"/>
+            <a:ext cx="151536" cy="151536"/>
           </a:xfrm>
           <a:custGeom>
             <a:avLst/>
             <a:gdLst>
-              <a:gd name="connsiteX0" fmla="*/ 129600 w 139037"/>
-              <a:gd name="connsiteY0" fmla="*/ 60082 h 139039"/>
-              <a:gd name="connsiteX1" fmla="*/ 78955 w 139037"/>
-              <a:gd name="connsiteY1" fmla="*/ 60082 h 139039"/>
-              <a:gd name="connsiteX2" fmla="*/ 78955 w 139037"/>
-              <a:gd name="connsiteY2" fmla="*/ 9437 h 139039"/>
-              <a:gd name="connsiteX3" fmla="*/ 69519 w 139037"/>
-              <a:gd name="connsiteY3" fmla="*/ 0 h 139039"/>
-              <a:gd name="connsiteX4" fmla="*/ 60082 w 139037"/>
-              <a:gd name="connsiteY4" fmla="*/ 9437 h 139039"/>
-              <a:gd name="connsiteX5" fmla="*/ 60082 w 139037"/>
-              <a:gd name="connsiteY5" fmla="*/ 60082 h 139039"/>
-              <a:gd name="connsiteX6" fmla="*/ 9437 w 139037"/>
-              <a:gd name="connsiteY6" fmla="*/ 60082 h 139039"/>
-              <a:gd name="connsiteX7" fmla="*/ 0 w 139037"/>
-              <a:gd name="connsiteY7" fmla="*/ 69520 h 139039"/>
-              <a:gd name="connsiteX8" fmla="*/ 9437 w 139037"/>
-              <a:gd name="connsiteY8" fmla="*/ 78957 h 139039"/>
-              <a:gd name="connsiteX9" fmla="*/ 60082 w 139037"/>
-              <a:gd name="connsiteY9" fmla="*/ 78957 h 139039"/>
-              <a:gd name="connsiteX10" fmla="*/ 60082 w 139037"/>
-              <a:gd name="connsiteY10" fmla="*/ 129602 h 139039"/>
-              <a:gd name="connsiteX11" fmla="*/ 69519 w 139037"/>
-              <a:gd name="connsiteY11" fmla="*/ 139039 h 139039"/>
-              <a:gd name="connsiteX12" fmla="*/ 78955 w 139037"/>
-              <a:gd name="connsiteY12" fmla="*/ 129602 h 139039"/>
-              <a:gd name="connsiteX13" fmla="*/ 78955 w 139037"/>
-              <a:gd name="connsiteY13" fmla="*/ 78957 h 139039"/>
-              <a:gd name="connsiteX14" fmla="*/ 129600 w 139037"/>
-              <a:gd name="connsiteY14" fmla="*/ 78957 h 139039"/>
-              <a:gd name="connsiteX15" fmla="*/ 139037 w 139037"/>
-              <a:gd name="connsiteY15" fmla="*/ 69520 h 139039"/>
-              <a:gd name="connsiteX16" fmla="*/ 129600 w 139037"/>
-              <a:gd name="connsiteY16" fmla="*/ 60082 h 139039"/>
+              <a:gd name="connsiteX0" fmla="*/ 141251 w 151536"/>
+              <a:gd name="connsiteY0" fmla="*/ 65483 h 151536"/>
+              <a:gd name="connsiteX1" fmla="*/ 86053 w 151536"/>
+              <a:gd name="connsiteY1" fmla="*/ 65483 h 151536"/>
+              <a:gd name="connsiteX2" fmla="*/ 86053 w 151536"/>
+              <a:gd name="connsiteY2" fmla="*/ 10285 h 151536"/>
+              <a:gd name="connsiteX3" fmla="*/ 75768 w 151536"/>
+              <a:gd name="connsiteY3" fmla="*/ 0 h 151536"/>
+              <a:gd name="connsiteX4" fmla="*/ 65483 w 151536"/>
+              <a:gd name="connsiteY4" fmla="*/ 10285 h 151536"/>
+              <a:gd name="connsiteX5" fmla="*/ 65483 w 151536"/>
+              <a:gd name="connsiteY5" fmla="*/ 65483 h 151536"/>
+              <a:gd name="connsiteX6" fmla="*/ 10285 w 151536"/>
+              <a:gd name="connsiteY6" fmla="*/ 65483 h 151536"/>
+              <a:gd name="connsiteX7" fmla="*/ 0 w 151536"/>
+              <a:gd name="connsiteY7" fmla="*/ 75768 h 151536"/>
+              <a:gd name="connsiteX8" fmla="*/ 10285 w 151536"/>
+              <a:gd name="connsiteY8" fmla="*/ 86053 h 151536"/>
+              <a:gd name="connsiteX9" fmla="*/ 65483 w 151536"/>
+              <a:gd name="connsiteY9" fmla="*/ 86053 h 151536"/>
+              <a:gd name="connsiteX10" fmla="*/ 65483 w 151536"/>
+              <a:gd name="connsiteY10" fmla="*/ 141251 h 151536"/>
+              <a:gd name="connsiteX11" fmla="*/ 75768 w 151536"/>
+              <a:gd name="connsiteY11" fmla="*/ 151536 h 151536"/>
+              <a:gd name="connsiteX12" fmla="*/ 86053 w 151536"/>
+              <a:gd name="connsiteY12" fmla="*/ 141251 h 151536"/>
+              <a:gd name="connsiteX13" fmla="*/ 86053 w 151536"/>
+              <a:gd name="connsiteY13" fmla="*/ 86053 h 151536"/>
+              <a:gd name="connsiteX14" fmla="*/ 141251 w 151536"/>
+              <a:gd name="connsiteY14" fmla="*/ 86053 h 151536"/>
+              <a:gd name="connsiteX15" fmla="*/ 151536 w 151536"/>
+              <a:gd name="connsiteY15" fmla="*/ 75768 h 151536"/>
+              <a:gd name="connsiteX16" fmla="*/ 141251 w 151536"/>
+              <a:gd name="connsiteY16" fmla="*/ 65483 h 151536"/>
             </a:gdLst>
             <a:ahLst/>
             <a:cxnLst>
@@ -5980,73 +6810,73 @@
             </a:cxnLst>
             <a:rect l="l" t="t" r="r" b="b"/>
             <a:pathLst>
-              <a:path w="139037" h="139039">
+              <a:path w="151536" h="151536">
                 <a:moveTo>
-                  <a:pt x="129600" y="60082"/>
+                  <a:pt x="141251" y="65483"/>
                 </a:moveTo>
                 <a:lnTo>
-                  <a:pt x="78955" y="60082"/>
+                  <a:pt x="86053" y="65483"/>
                 </a:lnTo>
                 <a:lnTo>
-                  <a:pt x="78955" y="9437"/>
+                  <a:pt x="86053" y="10285"/>
                 </a:lnTo>
                 <a:cubicBezTo>
-                  <a:pt x="78955" y="4225"/>
-                  <a:pt x="74730" y="0"/>
-                  <a:pt x="69519" y="0"/>
+                  <a:pt x="86053" y="4605"/>
+                  <a:pt x="81448" y="0"/>
+                  <a:pt x="75768" y="0"/>
                 </a:cubicBezTo>
                 <a:cubicBezTo>
-                  <a:pt x="64307" y="0"/>
-                  <a:pt x="60082" y="4225"/>
-                  <a:pt x="60082" y="9437"/>
+                  <a:pt x="70088" y="0"/>
+                  <a:pt x="65483" y="4605"/>
+                  <a:pt x="65483" y="10285"/>
                 </a:cubicBezTo>
                 <a:lnTo>
-                  <a:pt x="60082" y="60082"/>
+                  <a:pt x="65483" y="65483"/>
                 </a:lnTo>
                 <a:lnTo>
-                  <a:pt x="9437" y="60082"/>
+                  <a:pt x="10285" y="65483"/>
                 </a:lnTo>
                 <a:cubicBezTo>
-                  <a:pt x="4225" y="60082"/>
-                  <a:pt x="0" y="64308"/>
-                  <a:pt x="0" y="69520"/>
+                  <a:pt x="4605" y="65483"/>
+                  <a:pt x="0" y="70088"/>
+                  <a:pt x="0" y="75768"/>
                 </a:cubicBezTo>
                 <a:cubicBezTo>
-                  <a:pt x="0" y="74731"/>
-                  <a:pt x="4225" y="78957"/>
-                  <a:pt x="9437" y="78957"/>
+                  <a:pt x="0" y="81448"/>
+                  <a:pt x="4605" y="86053"/>
+                  <a:pt x="10285" y="86053"/>
                 </a:cubicBezTo>
                 <a:lnTo>
-                  <a:pt x="60082" y="78957"/>
+                  <a:pt x="65483" y="86053"/>
                 </a:lnTo>
                 <a:lnTo>
-                  <a:pt x="60082" y="129602"/>
+                  <a:pt x="65483" y="141251"/>
                 </a:lnTo>
                 <a:cubicBezTo>
-                  <a:pt x="60082" y="134814"/>
-                  <a:pt x="64307" y="139039"/>
-                  <a:pt x="69519" y="139039"/>
+                  <a:pt x="65483" y="146931"/>
+                  <a:pt x="70088" y="151536"/>
+                  <a:pt x="75768" y="151536"/>
                 </a:cubicBezTo>
                 <a:cubicBezTo>
-                  <a:pt x="74730" y="139039"/>
-                  <a:pt x="78955" y="134814"/>
-                  <a:pt x="78955" y="129602"/>
+                  <a:pt x="81448" y="151536"/>
+                  <a:pt x="86053" y="146931"/>
+                  <a:pt x="86053" y="141251"/>
                 </a:cubicBezTo>
                 <a:lnTo>
-                  <a:pt x="78955" y="78957"/>
+                  <a:pt x="86053" y="86053"/>
                 </a:lnTo>
                 <a:lnTo>
-                  <a:pt x="129600" y="78957"/>
+                  <a:pt x="141251" y="86053"/>
                 </a:lnTo>
                 <a:cubicBezTo>
-                  <a:pt x="134812" y="78957"/>
-                  <a:pt x="139037" y="74731"/>
-                  <a:pt x="139037" y="69520"/>
+                  <a:pt x="146931" y="86053"/>
+                  <a:pt x="151536" y="81448"/>
+                  <a:pt x="151536" y="75768"/>
                 </a:cubicBezTo>
                 <a:cubicBezTo>
-                  <a:pt x="139037" y="64308"/>
-                  <a:pt x="134812" y="60082"/>
-                  <a:pt x="129600" y="60082"/>
+                  <a:pt x="151536" y="70088"/>
+                  <a:pt x="146931" y="65483"/>
+                  <a:pt x="141251" y="65483"/>
                 </a:cubicBezTo>
                 <a:close/>
               </a:path>
@@ -6055,7 +6885,7 @@
           <a:solidFill>
             <a:schemeClr val="bg1"/>
           </a:solidFill>
-          <a:ln w="603" cap="flat">
+          <a:ln w="646" cap="flat">
             <a:noFill/>
             <a:prstDash val="solid"/>
             <a:miter/>
@@ -6071,7 +6901,7 @@
       </p:sp>
       <p:cxnSp>
         <p:nvCxnSpPr>
-          <p:cNvPr id="39" name="Straight Connector 38">
+          <p:cNvPr id="52" name="Straight Connector 51">
             <a:extLst>
               <a:ext uri="{FF2B5EF4-FFF2-40B4-BE49-F238E27FC236}">
                 <a16:creationId xmlns:a16="http://schemas.microsoft.com/office/drawing/2014/main" id="{56020367-4FD5-4596-8E10-C5F095CD8DBF}"/>
@@ -6094,8 +6924,8 @@
         </p:nvCxnSpPr>
         <p:spPr>
           <a:xfrm>
-            <a:off x="5447322" y="1589368"/>
-            <a:ext cx="0" cy="5259754"/>
+            <a:off x="1301262" y="3496322"/>
+            <a:ext cx="0" cy="3352800"/>
           </a:xfrm>
           <a:prstGeom prst="line">
             <a:avLst/>
@@ -6150,8 +6980,8 @@
         </p:blipFill>
         <p:spPr>
           <a:xfrm>
-            <a:off x="7655788" y="1787030"/>
-            <a:ext cx="2232139" cy="2232139"/>
+            <a:off x="8722437" y="2295928"/>
+            <a:ext cx="1902573" cy="1902573"/>
           </a:xfrm>
           <a:prstGeom prst="rect">
             <a:avLst/>
@@ -6160,10 +6990,10 @@
       </p:pic>
       <p:sp>
         <p:nvSpPr>
-          <p:cNvPr id="41" name="Graphic 21">
-            <a:extLst>
-              <a:ext uri="{FF2B5EF4-FFF2-40B4-BE49-F238E27FC236}">
-                <a16:creationId xmlns:a16="http://schemas.microsoft.com/office/drawing/2014/main" id="{8D61482F-F3C5-4D66-8C5D-C6BBE3E1275C}"/>
+          <p:cNvPr id="54" name="Graphic 23">
+            <a:extLst>
+              <a:ext uri="{FF2B5EF4-FFF2-40B4-BE49-F238E27FC236}">
+                <a16:creationId xmlns:a16="http://schemas.microsoft.com/office/drawing/2014/main" id="{3FBAD350-5664-4811-A208-657FB882D350}"/>
               </a:ext>
               <a:ext uri="{C183D7F6-B498-43B3-948B-1728B52AA6E4}">
                 <adec:decorative xmlns:adec="http://schemas.microsoft.com/office/drawing/2017/decorative" val="1"/>
@@ -6183,32 +7013,32 @@
         </p:nvSpPr>
         <p:spPr>
           <a:xfrm>
-            <a:off x="11752801" y="1659316"/>
-            <a:ext cx="127713" cy="127714"/>
+            <a:off x="11721325" y="2647922"/>
+            <a:ext cx="108625" cy="108625"/>
           </a:xfrm>
           <a:custGeom>
             <a:avLst/>
             <a:gdLst>
-              <a:gd name="connsiteX0" fmla="*/ 63857 w 127713"/>
-              <a:gd name="connsiteY0" fmla="*/ 18874 h 127714"/>
-              <a:gd name="connsiteX1" fmla="*/ 108839 w 127713"/>
-              <a:gd name="connsiteY1" fmla="*/ 63857 h 127714"/>
-              <a:gd name="connsiteX2" fmla="*/ 63857 w 127713"/>
-              <a:gd name="connsiteY2" fmla="*/ 108840 h 127714"/>
-              <a:gd name="connsiteX3" fmla="*/ 18874 w 127713"/>
-              <a:gd name="connsiteY3" fmla="*/ 63857 h 127714"/>
-              <a:gd name="connsiteX4" fmla="*/ 63857 w 127713"/>
-              <a:gd name="connsiteY4" fmla="*/ 18874 h 127714"/>
-              <a:gd name="connsiteX5" fmla="*/ 63857 w 127713"/>
-              <a:gd name="connsiteY5" fmla="*/ 0 h 127714"/>
-              <a:gd name="connsiteX6" fmla="*/ 0 w 127713"/>
-              <a:gd name="connsiteY6" fmla="*/ 63857 h 127714"/>
-              <a:gd name="connsiteX7" fmla="*/ 63857 w 127713"/>
-              <a:gd name="connsiteY7" fmla="*/ 127714 h 127714"/>
-              <a:gd name="connsiteX8" fmla="*/ 127713 w 127713"/>
-              <a:gd name="connsiteY8" fmla="*/ 63857 h 127714"/>
-              <a:gd name="connsiteX9" fmla="*/ 63857 w 127713"/>
-              <a:gd name="connsiteY9" fmla="*/ 0 h 127714"/>
+              <a:gd name="connsiteX0" fmla="*/ 54313 w 108625"/>
+              <a:gd name="connsiteY0" fmla="*/ 16053 h 108625"/>
+              <a:gd name="connsiteX1" fmla="*/ 92572 w 108625"/>
+              <a:gd name="connsiteY1" fmla="*/ 54313 h 108625"/>
+              <a:gd name="connsiteX2" fmla="*/ 54313 w 108625"/>
+              <a:gd name="connsiteY2" fmla="*/ 92572 h 108625"/>
+              <a:gd name="connsiteX3" fmla="*/ 16053 w 108625"/>
+              <a:gd name="connsiteY3" fmla="*/ 54313 h 108625"/>
+              <a:gd name="connsiteX4" fmla="*/ 54313 w 108625"/>
+              <a:gd name="connsiteY4" fmla="*/ 16053 h 108625"/>
+              <a:gd name="connsiteX5" fmla="*/ 54313 w 108625"/>
+              <a:gd name="connsiteY5" fmla="*/ 0 h 108625"/>
+              <a:gd name="connsiteX6" fmla="*/ 0 w 108625"/>
+              <a:gd name="connsiteY6" fmla="*/ 54313 h 108625"/>
+              <a:gd name="connsiteX7" fmla="*/ 54313 w 108625"/>
+              <a:gd name="connsiteY7" fmla="*/ 108625 h 108625"/>
+              <a:gd name="connsiteX8" fmla="*/ 108625 w 108625"/>
+              <a:gd name="connsiteY8" fmla="*/ 54313 h 108625"/>
+              <a:gd name="connsiteX9" fmla="*/ 54313 w 108625"/>
+              <a:gd name="connsiteY9" fmla="*/ 0 h 108625"/>
             </a:gdLst>
             <a:ahLst/>
             <a:cxnLst>
@@ -6245,52 +7075,52 @@
             </a:cxnLst>
             <a:rect l="l" t="t" r="r" b="b"/>
             <a:pathLst>
-              <a:path w="127713" h="127714">
+              <a:path w="108625" h="108625">
                 <a:moveTo>
-                  <a:pt x="63857" y="18874"/>
+                  <a:pt x="54313" y="16053"/>
                 </a:moveTo>
                 <a:cubicBezTo>
-                  <a:pt x="88700" y="18874"/>
-                  <a:pt x="108839" y="39014"/>
-                  <a:pt x="108839" y="63857"/>
+                  <a:pt x="75442" y="16053"/>
+                  <a:pt x="92572" y="33182"/>
+                  <a:pt x="92572" y="54313"/>
                 </a:cubicBezTo>
                 <a:cubicBezTo>
-                  <a:pt x="108839" y="88700"/>
-                  <a:pt x="88700" y="108840"/>
-                  <a:pt x="63857" y="108840"/>
+                  <a:pt x="92572" y="75442"/>
+                  <a:pt x="75442" y="92572"/>
+                  <a:pt x="54313" y="92572"/>
                 </a:cubicBezTo>
                 <a:cubicBezTo>
-                  <a:pt x="39013" y="108840"/>
-                  <a:pt x="18874" y="88700"/>
-                  <a:pt x="18874" y="63857"/>
+                  <a:pt x="33182" y="92572"/>
+                  <a:pt x="16053" y="75442"/>
+                  <a:pt x="16053" y="54313"/>
                 </a:cubicBezTo>
                 <a:cubicBezTo>
-                  <a:pt x="18898" y="39024"/>
-                  <a:pt x="39023" y="18898"/>
-                  <a:pt x="63857" y="18874"/>
+                  <a:pt x="16074" y="33191"/>
+                  <a:pt x="33191" y="16074"/>
+                  <a:pt x="54313" y="16053"/>
                 </a:cubicBezTo>
                 <a:moveTo>
-                  <a:pt x="63857" y="0"/>
+                  <a:pt x="54313" y="0"/>
                 </a:moveTo>
                 <a:cubicBezTo>
-                  <a:pt x="28590" y="0"/>
-                  <a:pt x="0" y="28590"/>
-                  <a:pt x="0" y="63857"/>
+                  <a:pt x="24317" y="0"/>
+                  <a:pt x="0" y="24317"/>
+                  <a:pt x="0" y="54313"/>
                 </a:cubicBezTo>
                 <a:cubicBezTo>
-                  <a:pt x="0" y="99124"/>
-                  <a:pt x="28590" y="127714"/>
-                  <a:pt x="63857" y="127714"/>
+                  <a:pt x="0" y="84309"/>
+                  <a:pt x="24317" y="108625"/>
+                  <a:pt x="54313" y="108625"/>
                 </a:cubicBezTo>
                 <a:cubicBezTo>
-                  <a:pt x="99124" y="127714"/>
-                  <a:pt x="127713" y="99124"/>
-                  <a:pt x="127713" y="63857"/>
+                  <a:pt x="84309" y="108625"/>
+                  <a:pt x="108625" y="84309"/>
+                  <a:pt x="108625" y="54313"/>
                 </a:cubicBezTo>
                 <a:cubicBezTo>
-                  <a:pt x="127713" y="28590"/>
-                  <a:pt x="99124" y="0"/>
-                  <a:pt x="63857" y="0"/>
+                  <a:pt x="108625" y="24317"/>
+                  <a:pt x="84309" y="0"/>
+                  <a:pt x="54313" y="0"/>
                 </a:cubicBezTo>
                 <a:close/>
               </a:path>
@@ -6299,7 +7129,7 @@
           <a:solidFill>
             <a:schemeClr val="bg1"/>
           </a:solidFill>
-          <a:ln w="610" cap="flat">
+          <a:ln w="516" cap="flat">
             <a:noFill/>
             <a:prstDash val="solid"/>
             <a:miter/>
@@ -6341,14 +7171,121 @@
         </p:blipFill>
         <p:spPr>
           <a:xfrm>
-            <a:off x="5986926" y="4687807"/>
-            <a:ext cx="5569864" cy="1155746"/>
+            <a:off x="7654411" y="4942815"/>
+            <a:ext cx="4038624" cy="838014"/>
           </a:xfrm>
           <a:prstGeom prst="rect">
             <a:avLst/>
           </a:prstGeom>
         </p:spPr>
       </p:pic>
+      <p:sp>
+        <p:nvSpPr>
+          <p:cNvPr id="56" name="Graphic 21">
+            <a:extLst>
+              <a:ext uri="{FF2B5EF4-FFF2-40B4-BE49-F238E27FC236}">
+                <a16:creationId xmlns:a16="http://schemas.microsoft.com/office/drawing/2014/main" id="{C39ADB8F-D187-49D7-BDCF-C1B6DC727068}"/>
+              </a:ext>
+              <a:ext uri="{C183D7F6-B498-43B3-948B-1728B52AA6E4}">
+                <adec:decorative xmlns:adec="http://schemas.microsoft.com/office/drawing/2017/decorative" val="1"/>
+              </a:ext>
+            </a:extLst>
+          </p:cNvPr>
+          <p:cNvSpPr>
+            <a:spLocks noGrp="1" noRot="1" noChangeAspect="1" noMove="1" noResize="1" noEditPoints="1" noAdjustHandles="1" noChangeArrowheads="1" noChangeShapeType="1" noTextEdit="1"/>
+          </p:cNvSpPr>
+          <p:nvPr>
+            <p:extLst>
+              <p:ext uri="{386F3935-93C4-4BCD-93E2-E3B085C9AB24}">
+                <p16:designElem xmlns:p16="http://schemas.microsoft.com/office/powerpoint/2015/main" val="1"/>
+              </p:ext>
+            </p:extLst>
+          </p:nvPr>
+        </p:nvSpPr>
+        <p:spPr>
+          <a:xfrm>
+            <a:off x="7477861" y="6313109"/>
+            <a:ext cx="95759" cy="95759"/>
+          </a:xfrm>
+          <a:custGeom>
+            <a:avLst/>
+            <a:gdLst>
+              <a:gd name="connsiteX0" fmla="*/ 95759 w 95759"/>
+              <a:gd name="connsiteY0" fmla="*/ 47880 h 95759"/>
+              <a:gd name="connsiteX1" fmla="*/ 47880 w 95759"/>
+              <a:gd name="connsiteY1" fmla="*/ 95759 h 95759"/>
+              <a:gd name="connsiteX2" fmla="*/ 0 w 95759"/>
+              <a:gd name="connsiteY2" fmla="*/ 47880 h 95759"/>
+              <a:gd name="connsiteX3" fmla="*/ 47880 w 95759"/>
+              <a:gd name="connsiteY3" fmla="*/ 0 h 95759"/>
+              <a:gd name="connsiteX4" fmla="*/ 95759 w 95759"/>
+              <a:gd name="connsiteY4" fmla="*/ 47880 h 95759"/>
+            </a:gdLst>
+            <a:ahLst/>
+            <a:cxnLst>
+              <a:cxn ang="0">
+                <a:pos x="connsiteX0" y="connsiteY0"/>
+              </a:cxn>
+              <a:cxn ang="0">
+                <a:pos x="connsiteX1" y="connsiteY1"/>
+              </a:cxn>
+              <a:cxn ang="0">
+                <a:pos x="connsiteX2" y="connsiteY2"/>
+              </a:cxn>
+              <a:cxn ang="0">
+                <a:pos x="connsiteX3" y="connsiteY3"/>
+              </a:cxn>
+              <a:cxn ang="0">
+                <a:pos x="connsiteX4" y="connsiteY4"/>
+              </a:cxn>
+            </a:cxnLst>
+            <a:rect l="l" t="t" r="r" b="b"/>
+            <a:pathLst>
+              <a:path w="95759" h="95759">
+                <a:moveTo>
+                  <a:pt x="95759" y="47880"/>
+                </a:moveTo>
+                <a:cubicBezTo>
+                  <a:pt x="95759" y="74323"/>
+                  <a:pt x="74323" y="95759"/>
+                  <a:pt x="47880" y="95759"/>
+                </a:cubicBezTo>
+                <a:cubicBezTo>
+                  <a:pt x="21436" y="95759"/>
+                  <a:pt x="0" y="74323"/>
+                  <a:pt x="0" y="47880"/>
+                </a:cubicBezTo>
+                <a:cubicBezTo>
+                  <a:pt x="0" y="21436"/>
+                  <a:pt x="21436" y="0"/>
+                  <a:pt x="47880" y="0"/>
+                </a:cubicBezTo>
+                <a:cubicBezTo>
+                  <a:pt x="74323" y="0"/>
+                  <a:pt x="95759" y="21436"/>
+                  <a:pt x="95759" y="47880"/>
+                </a:cubicBezTo>
+                <a:close/>
+              </a:path>
+            </a:pathLst>
+          </a:custGeom>
+          <a:solidFill>
+            <a:schemeClr val="bg1"/>
+          </a:solidFill>
+          <a:ln w="469" cap="flat">
+            <a:noFill/>
+            <a:prstDash val="solid"/>
+            <a:miter/>
+          </a:ln>
+        </p:spPr>
+        <p:txBody>
+          <a:bodyPr rtlCol="0" anchor="ctr"/>
+          <a:lstStyle/>
+          <a:p>
+            <a:endParaRPr lang="en-US"/>
+          </a:p>
+        </p:txBody>
+      </p:sp>
     </p:spTree>
     <p:extLst>
       <p:ext uri="{BB962C8B-B14F-4D97-AF65-F5344CB8AC3E}">

--- a/NET Core og Microservices.pptx
+++ b/NET Core og Microservices.pptx
@@ -6379,7 +6379,7 @@
       </p:grpSpPr>
       <p:cxnSp>
         <p:nvCxnSpPr>
-          <p:cNvPr id="46" name="Straight Connector 45">
+          <p:cNvPr id="61" name="Straight Connector 60">
             <a:extLst>
               <a:ext uri="{FF2B5EF4-FFF2-40B4-BE49-F238E27FC236}">
                 <a16:creationId xmlns:a16="http://schemas.microsoft.com/office/drawing/2014/main" id="{D1B787A8-0D67-4B7E-9B48-86BD906AB6B5}"/>
@@ -6441,10 +6441,10 @@
       </p:cxnSp>
       <p:sp>
         <p:nvSpPr>
-          <p:cNvPr id="48" name="Rectangle 47">
-            <a:extLst>
-              <a:ext uri="{FF2B5EF4-FFF2-40B4-BE49-F238E27FC236}">
-                <a16:creationId xmlns:a16="http://schemas.microsoft.com/office/drawing/2014/main" id="{CE3C5560-7A9C-489F-9148-18C5E1D0F0B2}"/>
+          <p:cNvPr id="63" name="Rectangle 62">
+            <a:extLst>
+              <a:ext uri="{FF2B5EF4-FFF2-40B4-BE49-F238E27FC236}">
+                <a16:creationId xmlns:a16="http://schemas.microsoft.com/office/drawing/2014/main" id="{3F672E71-4896-412C-9C70-888CBA0C2F28}"/>
               </a:ext>
               <a:ext uri="{C183D7F6-B498-43B3-948B-1728B52AA6E4}">
                 <adec:decorative xmlns:adec="http://schemas.microsoft.com/office/drawing/2017/decorative" val="1"/>
@@ -6479,7 +6479,7 @@
                 <a:schemeClr val="accent2"/>
               </a:gs>
             </a:gsLst>
-            <a:lin ang="2700000" scaled="1"/>
+            <a:lin ang="18900000" scaled="1"/>
             <a:tileRect/>
           </a:gradFill>
           <a:ln>
@@ -6529,18 +6529,18 @@
         </p:nvSpPr>
         <p:spPr>
           <a:xfrm>
-            <a:off x="1578043" y="590062"/>
-            <a:ext cx="5309140" cy="2838938"/>
+            <a:off x="994873" y="3747247"/>
+            <a:ext cx="6347918" cy="2386669"/>
           </a:xfrm>
         </p:spPr>
         <p:txBody>
-          <a:bodyPr vert="horz" lIns="91440" tIns="45720" rIns="91440" bIns="45720" rtlCol="0" anchor="b">
+          <a:bodyPr vert="horz" lIns="91440" tIns="45720" rIns="91440" bIns="45720" rtlCol="0" anchor="ctr">
             <a:normAutofit/>
           </a:bodyPr>
           <a:lstStyle/>
           <a:p>
             <a:r>
-              <a:rPr lang="en-US" sz="5400" b="1" i="0" kern="1200" cap="all" baseline="0">
+              <a:rPr lang="en-US" sz="6600" b="1" i="0" kern="1200" cap="all" baseline="0">
                 <a:solidFill>
                   <a:schemeClr val="bg1"/>
                 </a:solidFill>
@@ -6571,69 +6571,27 @@
         </p:nvSpPr>
         <p:spPr>
           <a:xfrm>
-            <a:off x="1578044" y="3739764"/>
-            <a:ext cx="4517954" cy="1198120"/>
+            <a:off x="7449798" y="3736429"/>
+            <a:ext cx="3633923" cy="2397488"/>
           </a:xfrm>
         </p:spPr>
         <p:txBody>
-          <a:bodyPr vert="horz" lIns="91440" tIns="45720" rIns="91440" bIns="45720" rtlCol="0">
+          <a:bodyPr vert="horz" lIns="91440" tIns="45720" rIns="91440" bIns="45720" rtlCol="0" anchor="ctr">
             <a:normAutofit/>
           </a:bodyPr>
           <a:lstStyle/>
           <a:p>
             <a:r>
-              <a:rPr lang="en-US" sz="2000" dirty="0">
+              <a:rPr lang="en-US" sz="2000" kern="1200">
                 <a:solidFill>
                   <a:schemeClr val="bg1"/>
                 </a:solidFill>
+                <a:latin typeface="+mn-lt"/>
+                <a:ea typeface="+mn-ea"/>
+                <a:cs typeface="+mn-cs"/>
               </a:rPr>
-              <a:t>Design </a:t>
-            </a:r>
-            <a:r>
-              <a:rPr lang="en-US" sz="2000" dirty="0" err="1">
-                <a:solidFill>
-                  <a:schemeClr val="bg1"/>
-                </a:solidFill>
-              </a:rPr>
-              <a:t>af</a:t>
-            </a:r>
-            <a:r>
-              <a:rPr lang="en-US" sz="2000" dirty="0">
-                <a:solidFill>
-                  <a:schemeClr val="bg1"/>
-                </a:solidFill>
-              </a:rPr>
-              <a:t> SAGA </a:t>
-            </a:r>
-            <a:r>
-              <a:rPr lang="en-US" sz="2000" dirty="0" err="1">
-                <a:solidFill>
-                  <a:schemeClr val="bg1"/>
-                </a:solidFill>
-              </a:rPr>
-              <a:t>i</a:t>
-            </a:r>
-            <a:r>
-              <a:rPr lang="en-US" sz="2000" dirty="0">
-                <a:solidFill>
-                  <a:schemeClr val="bg1"/>
-                </a:solidFill>
-              </a:rPr>
-              <a:t> </a:t>
-            </a:r>
-            <a:r>
-              <a:rPr lang="en-US" sz="2000" dirty="0" err="1">
-                <a:solidFill>
-                  <a:schemeClr val="bg1"/>
-                </a:solidFill>
-              </a:rPr>
-              <a:t>MassTransit</a:t>
-            </a:r>
-            <a:endParaRPr lang="en-US" sz="2000" dirty="0">
-              <a:solidFill>
-                <a:schemeClr val="bg1"/>
-              </a:solidFill>
-            </a:endParaRPr>
+              <a:t>Design af SAGA i MassTransit</a:t>
+            </a:r>
           </a:p>
           <a:p>
             <a:r>
@@ -6648,7 +6606,7 @@
               <a:t>Design </a:t>
             </a:r>
             <a:r>
-              <a:rPr lang="en-US" sz="2000" kern="1200" dirty="0" err="1">
+              <a:rPr lang="en-US" sz="2000" kern="1200">
                 <a:solidFill>
                   <a:schemeClr val="bg1"/>
                 </a:solidFill>
@@ -6670,10 +6628,13 @@
               <a:t> Consumer Driven Contract </a:t>
             </a:r>
             <a:r>
-              <a:rPr lang="en-US" sz="2000" dirty="0">
+              <a:rPr lang="en-US" sz="2000" kern="1200">
                 <a:solidFill>
                   <a:schemeClr val="bg1"/>
                 </a:solidFill>
+                <a:latin typeface="+mn-lt"/>
+                <a:ea typeface="+mn-ea"/>
+                <a:cs typeface="+mn-cs"/>
               </a:rPr>
               <a:t>med PACT</a:t>
             </a:r>
@@ -6690,7 +6651,7 @@
       </p:sp>
       <p:sp>
         <p:nvSpPr>
-          <p:cNvPr id="50" name="Graphic 22">
+          <p:cNvPr id="65" name="Graphic 22">
             <a:extLst>
               <a:ext uri="{FF2B5EF4-FFF2-40B4-BE49-F238E27FC236}">
                 <a16:creationId xmlns:a16="http://schemas.microsoft.com/office/drawing/2014/main" id="{508BEF50-7B1E-49A4-BC19-5F4F1D755E64}"/>
@@ -6713,7 +6674,7 @@
         </p:nvSpPr>
         <p:spPr>
           <a:xfrm>
-            <a:off x="11220768" y="2053732"/>
+            <a:off x="1241367" y="1059736"/>
             <a:ext cx="151536" cy="151536"/>
           </a:xfrm>
           <a:custGeom>
@@ -6899,59 +6860,6 @@
           </a:p>
         </p:txBody>
       </p:sp>
-      <p:cxnSp>
-        <p:nvCxnSpPr>
-          <p:cNvPr id="52" name="Straight Connector 51">
-            <a:extLst>
-              <a:ext uri="{FF2B5EF4-FFF2-40B4-BE49-F238E27FC236}">
-                <a16:creationId xmlns:a16="http://schemas.microsoft.com/office/drawing/2014/main" id="{56020367-4FD5-4596-8E10-C5F095CD8DBF}"/>
-              </a:ext>
-              <a:ext uri="{C183D7F6-B498-43B3-948B-1728B52AA6E4}">
-                <adec:decorative xmlns:adec="http://schemas.microsoft.com/office/drawing/2017/decorative" val="1"/>
-              </a:ext>
-            </a:extLst>
-          </p:cNvPr>
-          <p:cNvCxnSpPr>
-            <a:cxnSpLocks noGrp="1" noRot="1" noChangeAspect="1" noMove="1" noResize="1" noEditPoints="1" noAdjustHandles="1" noChangeArrowheads="1" noChangeShapeType="1"/>
-          </p:cNvCxnSpPr>
-          <p:nvPr>
-            <p:extLst>
-              <p:ext uri="{386F3935-93C4-4BCD-93E2-E3B085C9AB24}">
-                <p16:designElem xmlns:p16="http://schemas.microsoft.com/office/powerpoint/2015/main" val="1"/>
-              </p:ext>
-            </p:extLst>
-          </p:nvPr>
-        </p:nvCxnSpPr>
-        <p:spPr>
-          <a:xfrm>
-            <a:off x="1301262" y="3496322"/>
-            <a:ext cx="0" cy="3352800"/>
-          </a:xfrm>
-          <a:prstGeom prst="line">
-            <a:avLst/>
-          </a:prstGeom>
-          <a:ln w="25400" cap="sq">
-            <a:solidFill>
-              <a:schemeClr val="bg1"/>
-            </a:solidFill>
-            <a:bevel/>
-          </a:ln>
-        </p:spPr>
-        <p:style>
-          <a:lnRef idx="1">
-            <a:schemeClr val="accent1"/>
-          </a:lnRef>
-          <a:fillRef idx="0">
-            <a:schemeClr val="accent1"/>
-          </a:fillRef>
-          <a:effectRef idx="0">
-            <a:schemeClr val="accent1"/>
-          </a:effectRef>
-          <a:fontRef idx="minor">
-            <a:schemeClr val="tx1"/>
-          </a:fontRef>
-        </p:style>
-      </p:cxnSp>
       <p:pic>
         <p:nvPicPr>
           <p:cNvPr id="8" name="Billede 7" descr="Et billede, der indeholder lys&#10;&#10;Automatisk genereret beskrivelse">
@@ -6968,6 +6876,7 @@
         </p:nvPicPr>
         <p:blipFill>
           <a:blip r:embed="rId2">
+            <a:alphaModFix/>
             <a:extLst>
               <a:ext uri="{28A0092B-C50C-407E-A947-70E740481C1C}">
                 <a14:useLocalDpi xmlns:a14="http://schemas.microsoft.com/office/drawing/2010/main" val="0"/>
@@ -6980,17 +6889,54 @@
         </p:blipFill>
         <p:spPr>
           <a:xfrm>
-            <a:off x="8722437" y="2295928"/>
-            <a:ext cx="1902573" cy="1902573"/>
+            <a:off x="3385594" y="808139"/>
+            <a:ext cx="2542058" cy="2542058"/>
           </a:xfrm>
           <a:prstGeom prst="rect">
             <a:avLst/>
           </a:prstGeom>
         </p:spPr>
       </p:pic>
-      <p:sp>
-        <p:nvSpPr>
-          <p:cNvPr id="54" name="Graphic 23">
+      <p:pic>
+        <p:nvPicPr>
+          <p:cNvPr id="10" name="Billede 9">
+            <a:extLst>
+              <a:ext uri="{FF2B5EF4-FFF2-40B4-BE49-F238E27FC236}">
+                <a16:creationId xmlns:a16="http://schemas.microsoft.com/office/drawing/2014/main" id="{82C0DD00-E18A-4025-8593-E38932355620}"/>
+              </a:ext>
+            </a:extLst>
+          </p:cNvPr>
+          <p:cNvPicPr>
+            <a:picLocks noChangeAspect="1"/>
+          </p:cNvPicPr>
+          <p:nvPr/>
+        </p:nvPicPr>
+        <p:blipFill>
+          <a:blip r:embed="rId3">
+            <a:alphaModFix/>
+            <a:extLst>
+              <a:ext uri="{28A0092B-C50C-407E-A947-70E740481C1C}">
+                <a14:useLocalDpi xmlns:a14="http://schemas.microsoft.com/office/drawing/2010/main" val="0"/>
+              </a:ext>
+            </a:extLst>
+          </a:blip>
+          <a:stretch>
+            <a:fillRect/>
+          </a:stretch>
+        </p:blipFill>
+        <p:spPr>
+          <a:xfrm>
+            <a:off x="6140253" y="1646742"/>
+            <a:ext cx="4167963" cy="864851"/>
+          </a:xfrm>
+          <a:prstGeom prst="rect">
+            <a:avLst/>
+          </a:prstGeom>
+        </p:spPr>
+      </p:pic>
+      <p:sp>
+        <p:nvSpPr>
+          <p:cNvPr id="67" name="Graphic 23">
             <a:extLst>
               <a:ext uri="{FF2B5EF4-FFF2-40B4-BE49-F238E27FC236}">
                 <a16:creationId xmlns:a16="http://schemas.microsoft.com/office/drawing/2014/main" id="{3FBAD350-5664-4811-A208-657FB882D350}"/>
@@ -7013,7 +6959,7 @@
         </p:nvSpPr>
         <p:spPr>
           <a:xfrm>
-            <a:off x="11721325" y="2647922"/>
+            <a:off x="10915814" y="2482932"/>
             <a:ext cx="108625" cy="108625"/>
           </a:xfrm>
           <a:custGeom>
@@ -7143,45 +7089,9 @@
           </a:p>
         </p:txBody>
       </p:sp>
-      <p:pic>
-        <p:nvPicPr>
-          <p:cNvPr id="10" name="Billede 9">
-            <a:extLst>
-              <a:ext uri="{FF2B5EF4-FFF2-40B4-BE49-F238E27FC236}">
-                <a16:creationId xmlns:a16="http://schemas.microsoft.com/office/drawing/2014/main" id="{82C0DD00-E18A-4025-8593-E38932355620}"/>
-              </a:ext>
-            </a:extLst>
-          </p:cNvPr>
-          <p:cNvPicPr>
-            <a:picLocks noChangeAspect="1"/>
-          </p:cNvPicPr>
-          <p:nvPr/>
-        </p:nvPicPr>
-        <p:blipFill>
-          <a:blip r:embed="rId3">
-            <a:extLst>
-              <a:ext uri="{28A0092B-C50C-407E-A947-70E740481C1C}">
-                <a14:useLocalDpi xmlns:a14="http://schemas.microsoft.com/office/drawing/2010/main" val="0"/>
-              </a:ext>
-            </a:extLst>
-          </a:blip>
-          <a:stretch>
-            <a:fillRect/>
-          </a:stretch>
-        </p:blipFill>
-        <p:spPr>
-          <a:xfrm>
-            <a:off x="7654411" y="4942815"/>
-            <a:ext cx="4038624" cy="838014"/>
-          </a:xfrm>
-          <a:prstGeom prst="rect">
-            <a:avLst/>
-          </a:prstGeom>
-        </p:spPr>
-      </p:pic>
-      <p:sp>
-        <p:nvSpPr>
-          <p:cNvPr id="56" name="Graphic 21">
+      <p:sp>
+        <p:nvSpPr>
+          <p:cNvPr id="69" name="Graphic 21">
             <a:extLst>
               <a:ext uri="{FF2B5EF4-FFF2-40B4-BE49-F238E27FC236}">
                 <a16:creationId xmlns:a16="http://schemas.microsoft.com/office/drawing/2014/main" id="{C39ADB8F-D187-49D7-BDCF-C1B6DC727068}"/>
@@ -7204,7 +7114,7 @@
         </p:nvSpPr>
         <p:spPr>
           <a:xfrm>
-            <a:off x="7477861" y="6313109"/>
+            <a:off x="10352738" y="3556837"/>
             <a:ext cx="95759" cy="95759"/>
           </a:xfrm>
           <a:custGeom>
